--- a/final-tama269286043/発表資料.pptx
+++ b/final-tama269286043/発表資料.pptx
@@ -7,8 +7,8 @@
   <p:sldIdLst>
     <p:sldId id="256" r:id="rId2"/>
     <p:sldId id="257" r:id="rId3"/>
-    <p:sldId id="258" r:id="rId4"/>
-    <p:sldId id="259" r:id="rId5"/>
+    <p:sldId id="259" r:id="rId4"/>
+    <p:sldId id="261" r:id="rId5"/>
     <p:sldId id="260" r:id="rId6"/>
   </p:sldIdLst>
   <p:sldSz cx="12192000" cy="6858000"/>
@@ -108,6 +108,11 @@
       </a:defRPr>
     </a:lvl9pPr>
   </p:defaultTextStyle>
+  <p:extLst>
+    <p:ext uri="{EFAFB233-063F-42B5-8137-9DF3F51BA10A}">
+      <p15:sldGuideLst xmlns:p15="http://schemas.microsoft.com/office/powerpoint/2012/main"/>
+    </p:ext>
+  </p:extLst>
 </p:presentation>
 </file>
 
@@ -3284,6 +3289,17 @@
             <a:br>
               <a:rPr kumimoji="1" lang="en-US" altLang="ja-JP" sz="2400" dirty="0" smtClean="0"/>
             </a:br>
+            <a:r>
+              <a:rPr kumimoji="1" lang="en-US" altLang="ja-JP" sz="2400" dirty="0" smtClean="0"/>
+              <a:t/>
+            </a:r>
+            <a:br>
+              <a:rPr kumimoji="1" lang="en-US" altLang="ja-JP" sz="2400" dirty="0" smtClean="0"/>
+            </a:br>
+            <a:r>
+              <a:rPr kumimoji="1" lang="ja-JP" altLang="en-US" sz="4800" dirty="0" smtClean="0"/>
+              <a:t>まちマスター</a:t>
+            </a:r>
             <a:endParaRPr kumimoji="1" lang="ja-JP" altLang="en-US" sz="2400" dirty="0"/>
           </a:p>
         </p:txBody>
@@ -3306,19 +3322,19 @@
         </p:spPr>
         <p:txBody>
           <a:bodyPr>
-            <a:normAutofit/>
+            <a:noAutofit/>
           </a:bodyPr>
           <a:lstStyle/>
           <a:p>
             <a:r>
-              <a:rPr kumimoji="1" lang="ja-JP" altLang="en-US" sz="3200" dirty="0" smtClean="0"/>
+              <a:rPr kumimoji="1" lang="ja-JP" altLang="en-US" sz="3600" dirty="0" smtClean="0"/>
               <a:t>チーム名　</a:t>
             </a:r>
             <a:r>
-              <a:rPr kumimoji="1" lang="en-US" altLang="ja-JP" sz="3200" dirty="0" smtClean="0"/>
+              <a:rPr kumimoji="1" lang="en-US" altLang="ja-JP" sz="3600" dirty="0" smtClean="0"/>
               <a:t> tama269286043</a:t>
             </a:r>
-            <a:endParaRPr kumimoji="1" lang="ja-JP" altLang="en-US" sz="3200" dirty="0"/>
+            <a:endParaRPr kumimoji="1" lang="ja-JP" altLang="en-US" sz="3600" dirty="0"/>
           </a:p>
         </p:txBody>
       </p:sp>
@@ -3354,18 +3370,18 @@
       </p:grpSpPr>
       <p:sp>
         <p:nvSpPr>
-          <p:cNvPr id="2" name="タイトル 1"/>
-          <p:cNvSpPr>
-            <a:spLocks noGrp="1"/>
-          </p:cNvSpPr>
-          <p:nvPr>
-            <p:ph type="ctrTitle"/>
+          <p:cNvPr id="5" name="コンテンツ プレースホルダー 4"/>
+          <p:cNvSpPr>
+            <a:spLocks noGrp="1"/>
+          </p:cNvSpPr>
+          <p:nvPr>
+            <p:ph idx="1"/>
           </p:nvPr>
         </p:nvSpPr>
         <p:spPr>
           <a:xfrm>
-            <a:off x="1524000" y="1122363"/>
-            <a:ext cx="9144000" cy="2399770"/>
+            <a:off x="838200" y="254000"/>
+            <a:ext cx="10515600" cy="5922963"/>
           </a:xfrm>
         </p:spPr>
         <p:txBody>
@@ -3374,26 +3390,174 @@
           </a:bodyPr>
           <a:lstStyle/>
           <a:p>
-            <a:endParaRPr kumimoji="1" lang="ja-JP" altLang="en-US" sz="3200" dirty="0"/>
-          </a:p>
-        </p:txBody>
-      </p:sp>
-      <p:sp>
-        <p:nvSpPr>
-          <p:cNvPr id="3" name="サブタイトル 2"/>
-          <p:cNvSpPr>
-            <a:spLocks noGrp="1"/>
-          </p:cNvSpPr>
-          <p:nvPr>
-            <p:ph type="subTitle" idx="1"/>
-          </p:nvPr>
-        </p:nvSpPr>
-        <p:spPr/>
-        <p:txBody>
-          <a:bodyPr/>
-          <a:lstStyle/>
-          <a:p>
-            <a:endParaRPr kumimoji="1" lang="ja-JP" altLang="en-US"/>
+            <a:pPr marL="0" indent="0">
+              <a:buNone/>
+            </a:pPr>
+            <a:endParaRPr lang="en-US" altLang="ja-JP" dirty="0" smtClean="0"/>
+          </a:p>
+          <a:p>
+            <a:pPr marL="0" indent="0" algn="ctr">
+              <a:buNone/>
+            </a:pPr>
+            <a:r>
+              <a:rPr lang="ja-JP" altLang="en-US" dirty="0" smtClean="0"/>
+              <a:t>まちを歩いて宝箱を探し、その箱の解錠に必要な問題に</a:t>
+            </a:r>
+            <a:endParaRPr lang="en-US" altLang="ja-JP" dirty="0" smtClean="0"/>
+          </a:p>
+          <a:p>
+            <a:pPr marL="0" indent="0" algn="ctr">
+              <a:buNone/>
+            </a:pPr>
+            <a:r>
+              <a:rPr lang="ja-JP" altLang="en-US" dirty="0" smtClean="0"/>
+              <a:t>正解</a:t>
+            </a:r>
+            <a:r>
+              <a:rPr lang="ja-JP" altLang="en-US" dirty="0"/>
+              <a:t>すると</a:t>
+            </a:r>
+            <a:r>
+              <a:rPr lang="ja-JP" altLang="en-US" dirty="0" smtClean="0"/>
+              <a:t>、箱が開き</a:t>
+            </a:r>
+            <a:r>
+              <a:rPr lang="ja-JP" altLang="en-US" dirty="0"/>
+              <a:t>、まちポイントが手に</a:t>
+            </a:r>
+            <a:r>
+              <a:rPr lang="ja-JP" altLang="en-US" dirty="0" smtClean="0"/>
+              <a:t>入ります。</a:t>
+            </a:r>
+            <a:endParaRPr lang="en-US" altLang="ja-JP" dirty="0"/>
+          </a:p>
+          <a:p>
+            <a:pPr marL="0" indent="0" algn="ctr">
+              <a:buNone/>
+            </a:pPr>
+            <a:endParaRPr lang="en-US" altLang="ja-JP" dirty="0" smtClean="0"/>
+          </a:p>
+          <a:p>
+            <a:pPr marL="0" indent="0" algn="ctr">
+              <a:buNone/>
+            </a:pPr>
+            <a:r>
+              <a:rPr lang="ja-JP" altLang="en-US" dirty="0" smtClean="0"/>
+              <a:t>まちポイントを</a:t>
+            </a:r>
+            <a:r>
+              <a:rPr lang="ja-JP" altLang="en-US" dirty="0"/>
+              <a:t>集めることで</a:t>
+            </a:r>
+            <a:r>
+              <a:rPr lang="ja-JP" altLang="en-US" dirty="0" smtClean="0"/>
+              <a:t>、自分</a:t>
+            </a:r>
+            <a:r>
+              <a:rPr lang="ja-JP" altLang="en-US" dirty="0"/>
+              <a:t>のランクが上がって</a:t>
+            </a:r>
+            <a:r>
+              <a:rPr lang="ja-JP" altLang="en-US" dirty="0" smtClean="0"/>
+              <a:t>いく</a:t>
+            </a:r>
+            <a:endParaRPr lang="en-US" altLang="ja-JP" dirty="0" smtClean="0"/>
+          </a:p>
+          <a:p>
+            <a:pPr marL="0" indent="0" algn="ctr">
+              <a:buNone/>
+            </a:pPr>
+            <a:r>
+              <a:rPr lang="ja-JP" altLang="en-US" dirty="0" smtClean="0"/>
+              <a:t>　　　　　ランク</a:t>
+            </a:r>
+            <a:r>
+              <a:rPr lang="ja-JP" altLang="en-US" dirty="0"/>
+              <a:t>が上がることで今まで存在しなかった</a:t>
+            </a:r>
+            <a:r>
+              <a:rPr lang="ja-JP" altLang="en-US" dirty="0" smtClean="0"/>
+              <a:t>宝箱</a:t>
+            </a:r>
+            <a:r>
+              <a:rPr lang="ja-JP" altLang="en-US" dirty="0"/>
+              <a:t>が出現する</a:t>
+            </a:r>
+            <a:r>
+              <a:rPr lang="ja-JP" altLang="en-US" dirty="0" smtClean="0"/>
+              <a:t>。</a:t>
+            </a:r>
+            <a:endParaRPr lang="en-US" altLang="ja-JP" dirty="0" smtClean="0"/>
+          </a:p>
+          <a:p>
+            <a:pPr marL="0" indent="0">
+              <a:buNone/>
+            </a:pPr>
+            <a:endParaRPr lang="en-US" altLang="ja-JP" dirty="0" smtClean="0"/>
+          </a:p>
+          <a:p>
+            <a:pPr marL="0" indent="0" algn="ctr">
+              <a:buNone/>
+            </a:pPr>
+            <a:endParaRPr lang="en-US" altLang="ja-JP" dirty="0" smtClean="0"/>
+          </a:p>
+          <a:p>
+            <a:pPr marL="0" indent="0" algn="ctr">
+              <a:buNone/>
+            </a:pPr>
+            <a:r>
+              <a:rPr lang="ja-JP" altLang="en-US" dirty="0" smtClean="0"/>
+              <a:t>ゲーム</a:t>
+            </a:r>
+            <a:r>
+              <a:rPr lang="ja-JP" altLang="en-US" dirty="0"/>
+              <a:t>以外にも、旅行の</a:t>
+            </a:r>
+            <a:r>
+              <a:rPr lang="ja-JP" altLang="en-US" dirty="0" smtClean="0"/>
+              <a:t>情報を見るといったことも</a:t>
+            </a:r>
+            <a:r>
+              <a:rPr lang="ja-JP" altLang="en-US" dirty="0"/>
+              <a:t>できる</a:t>
+            </a:r>
+            <a:r>
+              <a:rPr lang="ja-JP" altLang="en-US" dirty="0" smtClean="0"/>
+              <a:t>。</a:t>
+            </a:r>
+            <a:endParaRPr lang="en-US" altLang="ja-JP" dirty="0" smtClean="0"/>
+          </a:p>
+          <a:p>
+            <a:pPr marL="0" indent="0" algn="ctr">
+              <a:buNone/>
+            </a:pPr>
+            <a:endParaRPr lang="en-US" altLang="ja-JP" dirty="0" smtClean="0"/>
+          </a:p>
+          <a:p>
+            <a:pPr marL="0" indent="0" algn="ctr">
+              <a:buNone/>
+            </a:pPr>
+            <a:r>
+              <a:rPr lang="ja-JP" altLang="en-US" dirty="0" smtClean="0"/>
+              <a:t>その他</a:t>
+            </a:r>
+            <a:r>
+              <a:rPr lang="ja-JP" altLang="en-US" dirty="0"/>
+              <a:t>にもランクに応じて</a:t>
+            </a:r>
+            <a:r>
+              <a:rPr lang="ja-JP" altLang="en-US" dirty="0" smtClean="0"/>
+              <a:t>旅行の割引きなど</a:t>
+            </a:r>
+            <a:r>
+              <a:rPr lang="ja-JP" altLang="en-US" dirty="0"/>
+              <a:t>もあります</a:t>
+            </a:r>
+            <a:r>
+              <a:rPr lang="ja-JP" altLang="en-US" dirty="0" smtClean="0"/>
+              <a:t>。</a:t>
+            </a:r>
+            <a:endParaRPr lang="ja-JP" altLang="en-US" dirty="0"/>
           </a:p>
         </p:txBody>
       </p:sp>
@@ -3434,41 +3598,254 @@
             <a:spLocks noGrp="1"/>
           </p:cNvSpPr>
           <p:nvPr>
-            <p:ph type="ctrTitle"/>
+            <p:ph type="title"/>
           </p:nvPr>
         </p:nvSpPr>
         <p:spPr/>
         <p:txBody>
-          <a:bodyPr/>
-          <a:lstStyle/>
-          <a:p>
-            <a:endParaRPr kumimoji="1" lang="ja-JP" altLang="en-US"/>
-          </a:p>
-        </p:txBody>
-      </p:sp>
-      <p:sp>
-        <p:nvSpPr>
-          <p:cNvPr id="3" name="サブタイトル 2"/>
-          <p:cNvSpPr>
-            <a:spLocks noGrp="1"/>
-          </p:cNvSpPr>
-          <p:nvPr>
-            <p:ph type="subTitle" idx="1"/>
-          </p:nvPr>
-        </p:nvSpPr>
-        <p:spPr/>
-        <p:txBody>
-          <a:bodyPr/>
-          <a:lstStyle/>
-          <a:p>
-            <a:endParaRPr kumimoji="1" lang="ja-JP" altLang="en-US"/>
+          <a:bodyPr>
+            <a:normAutofit/>
+          </a:bodyPr>
+          <a:lstStyle/>
+          <a:p>
+            <a:pPr algn="ctr"/>
+            <a:r>
+              <a:rPr lang="ja-JP" altLang="en-US" dirty="0" smtClean="0"/>
+              <a:t>必要資金とリワード</a:t>
+            </a:r>
+            <a:endParaRPr kumimoji="1" lang="ja-JP" altLang="en-US" dirty="0"/>
+          </a:p>
+        </p:txBody>
+      </p:sp>
+      <p:sp>
+        <p:nvSpPr>
+          <p:cNvPr id="6" name="コンテンツ プレースホルダー 5"/>
+          <p:cNvSpPr>
+            <a:spLocks noGrp="1"/>
+          </p:cNvSpPr>
+          <p:nvPr>
+            <p:ph idx="1"/>
+          </p:nvPr>
+        </p:nvSpPr>
+        <p:spPr>
+          <a:xfrm>
+            <a:off x="838200" y="1825625"/>
+            <a:ext cx="10515600" cy="4846108"/>
+          </a:xfrm>
+        </p:spPr>
+        <p:txBody>
+          <a:bodyPr>
+            <a:normAutofit fontScale="92500" lnSpcReduction="20000"/>
+          </a:bodyPr>
+          <a:lstStyle/>
+          <a:p>
+            <a:pPr marL="0" indent="0" algn="ctr">
+              <a:buNone/>
+            </a:pPr>
+            <a:r>
+              <a:rPr lang="ja-JP" altLang="en-US" sz="3200" dirty="0" smtClean="0"/>
+              <a:t>必要資金　</a:t>
+            </a:r>
+            <a:r>
+              <a:rPr lang="en-US" altLang="ja-JP" sz="3200" dirty="0" smtClean="0"/>
+              <a:t>800</a:t>
+            </a:r>
+            <a:r>
+              <a:rPr lang="ja-JP" altLang="en-US" sz="3200" dirty="0" smtClean="0"/>
+              <a:t>万円</a:t>
+            </a:r>
+            <a:endParaRPr lang="en-US" altLang="ja-JP" sz="3200" dirty="0" smtClean="0"/>
+          </a:p>
+          <a:p>
+            <a:pPr marL="0" indent="0" algn="ctr">
+              <a:buNone/>
+            </a:pPr>
+            <a:r>
+              <a:rPr lang="ja-JP" altLang="en-US" sz="3200" dirty="0" smtClean="0"/>
+              <a:t>リワード</a:t>
+            </a:r>
+            <a:endParaRPr lang="en-US" altLang="ja-JP" sz="3200" dirty="0" smtClean="0"/>
+          </a:p>
+          <a:p>
+            <a:pPr marL="0" indent="0">
+              <a:buNone/>
+            </a:pPr>
+            <a:r>
+              <a:rPr lang="ja-JP" altLang="en-US" dirty="0" smtClean="0"/>
+              <a:t>　　１　サンクスメール</a:t>
+            </a:r>
+            <a:r>
+              <a:rPr lang="ja-JP" altLang="en-US" dirty="0"/>
+              <a:t>　</a:t>
+            </a:r>
+            <a:r>
+              <a:rPr lang="en-US" altLang="ja-JP" dirty="0" smtClean="0"/>
+              <a:t>3000</a:t>
+            </a:r>
+            <a:r>
+              <a:rPr lang="ja-JP" altLang="en-US" dirty="0" smtClean="0"/>
+              <a:t>円</a:t>
+            </a:r>
+            <a:endParaRPr lang="en-US" altLang="ja-JP" dirty="0" smtClean="0"/>
+          </a:p>
+          <a:p>
+            <a:pPr marL="0" indent="0">
+              <a:buNone/>
+            </a:pPr>
+            <a:r>
+              <a:rPr lang="ja-JP" altLang="en-US" dirty="0" smtClean="0"/>
+              <a:t>　　２　支援者名クレジット＋サンクスメール　</a:t>
+            </a:r>
+            <a:r>
+              <a:rPr lang="en-US" altLang="ja-JP" dirty="0" smtClean="0"/>
+              <a:t>1</a:t>
+            </a:r>
+            <a:r>
+              <a:rPr lang="ja-JP" altLang="en-US" dirty="0" smtClean="0"/>
+              <a:t>万円</a:t>
+            </a:r>
+            <a:endParaRPr lang="en-US" altLang="ja-JP" dirty="0" smtClean="0"/>
+          </a:p>
+          <a:p>
+            <a:pPr marL="0" indent="0">
+              <a:buNone/>
+            </a:pPr>
+            <a:r>
+              <a:rPr lang="ja-JP" altLang="en-US" dirty="0"/>
+              <a:t>　</a:t>
+            </a:r>
+            <a:r>
+              <a:rPr lang="ja-JP" altLang="en-US" dirty="0" smtClean="0"/>
+              <a:t>　３　支援者名クレジット＋サンクスメール＋</a:t>
+            </a:r>
+            <a:r>
+              <a:rPr lang="en-US" altLang="ja-JP" dirty="0" smtClean="0"/>
+              <a:t>β</a:t>
+            </a:r>
+            <a:r>
+              <a:rPr lang="ja-JP" altLang="en-US" dirty="0" smtClean="0"/>
+              <a:t>テスト優先権</a:t>
+            </a:r>
+            <a:r>
+              <a:rPr lang="ja-JP" altLang="en-US" dirty="0"/>
+              <a:t>　</a:t>
+            </a:r>
+            <a:r>
+              <a:rPr lang="ja-JP" altLang="en-US" dirty="0" smtClean="0"/>
+              <a:t>３万円</a:t>
+            </a:r>
+            <a:endParaRPr lang="en-US" altLang="ja-JP" dirty="0" smtClean="0"/>
+          </a:p>
+          <a:p>
+            <a:pPr marL="0" indent="0">
+              <a:buNone/>
+            </a:pPr>
+            <a:r>
+              <a:rPr lang="ja-JP" altLang="en-US" dirty="0"/>
+              <a:t>　</a:t>
+            </a:r>
+            <a:r>
+              <a:rPr lang="ja-JP" altLang="en-US" dirty="0" smtClean="0"/>
+              <a:t>　４　支援者名クレジット＋サンクスメール＋各地の名産詰め合わせ　　　　　　　　　　</a:t>
+            </a:r>
+            <a:endParaRPr lang="en-US" altLang="ja-JP" dirty="0" smtClean="0"/>
+          </a:p>
+          <a:p>
+            <a:pPr marL="0" indent="0">
+              <a:buNone/>
+            </a:pPr>
+            <a:r>
+              <a:rPr kumimoji="1" lang="ja-JP" altLang="en-US" sz="3200" dirty="0"/>
+              <a:t>　</a:t>
+            </a:r>
+            <a:r>
+              <a:rPr kumimoji="1" lang="ja-JP" altLang="en-US" sz="3200" dirty="0" smtClean="0"/>
+              <a:t>　　　</a:t>
+            </a:r>
+            <a:r>
+              <a:rPr kumimoji="1" lang="ja-JP" altLang="en-US" dirty="0" smtClean="0"/>
+              <a:t>５万円</a:t>
+            </a:r>
+            <a:endParaRPr kumimoji="1" lang="en-US" altLang="ja-JP" dirty="0" smtClean="0"/>
+          </a:p>
+          <a:p>
+            <a:pPr marL="0" indent="0">
+              <a:buNone/>
+            </a:pPr>
+            <a:r>
+              <a:rPr lang="ja-JP" altLang="en-US" dirty="0"/>
+              <a:t>　</a:t>
+            </a:r>
+            <a:r>
+              <a:rPr lang="ja-JP" altLang="en-US" dirty="0" smtClean="0"/>
+              <a:t>　５　支援者名クレジット＋サンクスメール＋無条件出現宝箱のすべ</a:t>
+            </a:r>
+            <a:endParaRPr lang="en-US" altLang="ja-JP" dirty="0" smtClean="0"/>
+          </a:p>
+          <a:p>
+            <a:pPr marL="0" indent="0">
+              <a:buNone/>
+            </a:pPr>
+            <a:r>
+              <a:rPr lang="ja-JP" altLang="en-US" dirty="0" smtClean="0"/>
+              <a:t>　　　　　</a:t>
+            </a:r>
+            <a:r>
+              <a:rPr lang="ja-JP" altLang="en-US" dirty="0" err="1" smtClean="0"/>
+              <a:t>てを</a:t>
+            </a:r>
+            <a:r>
+              <a:rPr lang="ja-JP" altLang="en-US" dirty="0" smtClean="0"/>
+              <a:t>知る権利　１０万円</a:t>
+            </a:r>
+            <a:endParaRPr lang="en-US" altLang="ja-JP" dirty="0" smtClean="0"/>
+          </a:p>
+          <a:p>
+            <a:pPr marL="0" indent="0">
+              <a:buNone/>
+            </a:pPr>
+            <a:r>
+              <a:rPr lang="ja-JP" altLang="en-US" dirty="0"/>
+              <a:t>　</a:t>
+            </a:r>
+            <a:r>
+              <a:rPr lang="ja-JP" altLang="en-US" dirty="0" smtClean="0"/>
+              <a:t>　６　支援者名クレジット＋サンクスメール＋このゲームのマスコットキャラ</a:t>
+            </a:r>
+            <a:endParaRPr lang="en-US" altLang="ja-JP" dirty="0" smtClean="0"/>
+          </a:p>
+          <a:p>
+            <a:pPr marL="0" indent="0">
+              <a:buNone/>
+            </a:pPr>
+            <a:r>
+              <a:rPr lang="ja-JP" altLang="en-US" dirty="0" smtClean="0"/>
+              <a:t>　　　　　クターの命名権（</a:t>
+            </a:r>
+            <a:r>
+              <a:rPr lang="en-US" altLang="ja-JP" dirty="0" smtClean="0"/>
+              <a:t>1</a:t>
+            </a:r>
+            <a:r>
+              <a:rPr lang="ja-JP" altLang="en-US" dirty="0" smtClean="0"/>
+              <a:t>人限定）　</a:t>
+            </a:r>
+            <a:r>
+              <a:rPr lang="en-US" altLang="ja-JP" dirty="0" smtClean="0"/>
+              <a:t>100</a:t>
+            </a:r>
+            <a:r>
+              <a:rPr lang="ja-JP" altLang="en-US" dirty="0" smtClean="0"/>
+              <a:t>万円</a:t>
+            </a:r>
+            <a:endParaRPr lang="en-US" altLang="ja-JP" dirty="0" smtClean="0"/>
           </a:p>
         </p:txBody>
       </p:sp>
     </p:spTree>
     <p:extLst>
       <p:ext uri="{BB962C8B-B14F-4D97-AF65-F5344CB8AC3E}">
-        <p14:creationId xmlns:p14="http://schemas.microsoft.com/office/powerpoint/2010/main" val="1501455427"/>
+        <p14:creationId xmlns:p14="http://schemas.microsoft.com/office/powerpoint/2010/main" val="2118528122"/>
       </p:ext>
     </p:extLst>
   </p:cSld>
@@ -3505,7 +3882,12 @@
             <p:ph type="title"/>
           </p:nvPr>
         </p:nvSpPr>
-        <p:spPr/>
+        <p:spPr>
+          <a:xfrm>
+            <a:off x="838200" y="365125"/>
+            <a:ext cx="10515600" cy="5671608"/>
+          </a:xfrm>
+        </p:spPr>
         <p:txBody>
           <a:bodyPr>
             <a:normAutofit/>
@@ -3514,242 +3896,17 @@
           <a:p>
             <a:pPr algn="ctr"/>
             <a:r>
-              <a:rPr lang="ja-JP" altLang="en-US" dirty="0" smtClean="0"/>
-              <a:t>必要資金とリワード</a:t>
-            </a:r>
-            <a:endParaRPr kumimoji="1" lang="ja-JP" altLang="en-US" dirty="0"/>
-          </a:p>
-        </p:txBody>
-      </p:sp>
-      <p:sp>
-        <p:nvSpPr>
-          <p:cNvPr id="6" name="コンテンツ プレースホルダー 5"/>
-          <p:cNvSpPr>
-            <a:spLocks noGrp="1"/>
-          </p:cNvSpPr>
-          <p:nvPr>
-            <p:ph idx="1"/>
-          </p:nvPr>
-        </p:nvSpPr>
-        <p:spPr>
-          <a:xfrm>
-            <a:off x="838200" y="1825625"/>
-            <a:ext cx="10515600" cy="4846108"/>
-          </a:xfrm>
-        </p:spPr>
-        <p:txBody>
-          <a:bodyPr>
-            <a:normAutofit fontScale="92500" lnSpcReduction="20000"/>
-          </a:bodyPr>
-          <a:lstStyle/>
-          <a:p>
-            <a:pPr marL="0" indent="0" algn="ctr">
-              <a:buNone/>
-            </a:pPr>
-            <a:r>
-              <a:rPr lang="ja-JP" altLang="en-US" sz="3200" dirty="0" smtClean="0"/>
-              <a:t>必要資金　</a:t>
-            </a:r>
-            <a:r>
-              <a:rPr lang="en-US" altLang="ja-JP" sz="3200" dirty="0" smtClean="0"/>
-              <a:t>800</a:t>
-            </a:r>
-            <a:r>
-              <a:rPr lang="ja-JP" altLang="en-US" sz="3200" dirty="0" smtClean="0"/>
-              <a:t>万円</a:t>
-            </a:r>
-            <a:endParaRPr lang="en-US" altLang="ja-JP" sz="3200" dirty="0" smtClean="0"/>
-          </a:p>
-          <a:p>
-            <a:pPr marL="0" indent="0" algn="ctr">
-              <a:buNone/>
-            </a:pPr>
-            <a:r>
-              <a:rPr lang="ja-JP" altLang="en-US" sz="3200" dirty="0" smtClean="0"/>
-              <a:t>リワード</a:t>
-            </a:r>
-            <a:endParaRPr lang="en-US" altLang="ja-JP" sz="3200" dirty="0" smtClean="0"/>
-          </a:p>
-          <a:p>
-            <a:pPr marL="0" indent="0">
-              <a:buNone/>
-            </a:pPr>
-            <a:r>
-              <a:rPr lang="ja-JP" altLang="en-US" dirty="0" smtClean="0"/>
-              <a:t>　　１　サンクスメール</a:t>
-            </a:r>
-            <a:r>
-              <a:rPr lang="ja-JP" altLang="en-US" dirty="0"/>
-              <a:t>　</a:t>
-            </a:r>
-            <a:r>
-              <a:rPr lang="en-US" altLang="ja-JP" dirty="0" smtClean="0"/>
-              <a:t>3000</a:t>
-            </a:r>
-            <a:r>
-              <a:rPr lang="ja-JP" altLang="en-US" dirty="0" smtClean="0"/>
-              <a:t>円</a:t>
-            </a:r>
-            <a:endParaRPr lang="en-US" altLang="ja-JP" dirty="0" smtClean="0"/>
-          </a:p>
-          <a:p>
-            <a:pPr marL="0" indent="0">
-              <a:buNone/>
-            </a:pPr>
-            <a:r>
-              <a:rPr lang="ja-JP" altLang="en-US" dirty="0" smtClean="0"/>
-              <a:t>　　２　支援者名クレジット＋サンクスメール　</a:t>
-            </a:r>
-            <a:r>
-              <a:rPr lang="en-US" altLang="ja-JP" dirty="0" smtClean="0"/>
-              <a:t>1</a:t>
-            </a:r>
-            <a:r>
-              <a:rPr lang="ja-JP" altLang="en-US" dirty="0" smtClean="0"/>
-              <a:t>万円</a:t>
-            </a:r>
-            <a:endParaRPr lang="en-US" altLang="ja-JP" dirty="0" smtClean="0"/>
-          </a:p>
-          <a:p>
-            <a:pPr marL="0" indent="0">
-              <a:buNone/>
-            </a:pPr>
-            <a:r>
-              <a:rPr lang="ja-JP" altLang="en-US" dirty="0"/>
-              <a:t>　</a:t>
-            </a:r>
-            <a:r>
-              <a:rPr lang="ja-JP" altLang="en-US" dirty="0" smtClean="0"/>
-              <a:t>　３　支援者名クレジット＋サンクスメール＋</a:t>
-            </a:r>
-            <a:r>
-              <a:rPr lang="en-US" altLang="ja-JP" dirty="0" smtClean="0"/>
-              <a:t>β</a:t>
-            </a:r>
-            <a:r>
-              <a:rPr lang="ja-JP" altLang="en-US" dirty="0" smtClean="0"/>
-              <a:t>テスト優先権</a:t>
-            </a:r>
-            <a:r>
-              <a:rPr lang="ja-JP" altLang="en-US" dirty="0"/>
-              <a:t>　</a:t>
-            </a:r>
-            <a:r>
-              <a:rPr lang="ja-JP" altLang="en-US" dirty="0" smtClean="0"/>
-              <a:t>３万円</a:t>
-            </a:r>
-            <a:endParaRPr lang="en-US" altLang="ja-JP" dirty="0" smtClean="0"/>
-          </a:p>
-          <a:p>
-            <a:pPr marL="0" indent="0">
-              <a:buNone/>
-            </a:pPr>
-            <a:r>
-              <a:rPr lang="ja-JP" altLang="en-US" dirty="0"/>
-              <a:t>　</a:t>
-            </a:r>
-            <a:r>
-              <a:rPr lang="ja-JP" altLang="en-US" dirty="0" smtClean="0"/>
-              <a:t>　４　支援者名クレジット＋サンクスメール＋各地の名産詰め合わせ　　　　　　　　　　</a:t>
-            </a:r>
-            <a:endParaRPr lang="en-US" altLang="ja-JP" dirty="0" smtClean="0"/>
-          </a:p>
-          <a:p>
-            <a:pPr marL="0" indent="0">
-              <a:buNone/>
-            </a:pPr>
-            <a:r>
-              <a:rPr kumimoji="1" lang="ja-JP" altLang="en-US" sz="3200" dirty="0"/>
-              <a:t>　</a:t>
-            </a:r>
-            <a:r>
-              <a:rPr kumimoji="1" lang="ja-JP" altLang="en-US" sz="3200" dirty="0" smtClean="0"/>
-              <a:t>　　　</a:t>
-            </a:r>
-            <a:r>
-              <a:rPr kumimoji="1" lang="ja-JP" altLang="en-US" dirty="0" smtClean="0"/>
-              <a:t>５万円</a:t>
-            </a:r>
-            <a:endParaRPr kumimoji="1" lang="en-US" altLang="ja-JP" dirty="0" smtClean="0"/>
-          </a:p>
-          <a:p>
-            <a:pPr marL="0" indent="0">
-              <a:buNone/>
-            </a:pPr>
-            <a:r>
-              <a:rPr lang="ja-JP" altLang="en-US" dirty="0"/>
-              <a:t>　</a:t>
-            </a:r>
-            <a:r>
-              <a:rPr lang="ja-JP" altLang="en-US" dirty="0" smtClean="0"/>
-              <a:t>　５　支援者名クレジット＋サンクスメール＋無条件出現宝箱のすべ</a:t>
-            </a:r>
-            <a:endParaRPr lang="en-US" altLang="ja-JP" dirty="0" smtClean="0"/>
-          </a:p>
-          <a:p>
-            <a:pPr marL="0" indent="0">
-              <a:buNone/>
-            </a:pPr>
-            <a:r>
-              <a:rPr lang="ja-JP" altLang="en-US" dirty="0" smtClean="0"/>
-              <a:t>　　　　　</a:t>
-            </a:r>
-            <a:r>
-              <a:rPr lang="ja-JP" altLang="en-US" dirty="0" err="1" smtClean="0"/>
-              <a:t>てを</a:t>
-            </a:r>
-            <a:r>
-              <a:rPr lang="ja-JP" altLang="en-US" dirty="0" smtClean="0"/>
-              <a:t>知る権利　１０万円</a:t>
-            </a:r>
-            <a:endParaRPr lang="en-US" altLang="ja-JP" dirty="0" smtClean="0"/>
-          </a:p>
-          <a:p>
-            <a:pPr marL="0" indent="0">
-              <a:buNone/>
-            </a:pPr>
-            <a:r>
-              <a:rPr lang="ja-JP" altLang="en-US" dirty="0"/>
-              <a:t>　</a:t>
-            </a:r>
-            <a:r>
-              <a:rPr lang="ja-JP" altLang="en-US" dirty="0" smtClean="0"/>
-              <a:t>　６　支援者名クレジット＋サンクスメール＋このゲームのマスコットキャラ</a:t>
-            </a:r>
-            <a:endParaRPr lang="en-US" altLang="ja-JP" dirty="0" smtClean="0"/>
-          </a:p>
-          <a:p>
-            <a:pPr marL="0" indent="0">
-              <a:buNone/>
-            </a:pPr>
-            <a:r>
-              <a:rPr lang="ja-JP" altLang="en-US" dirty="0" smtClean="0"/>
-              <a:t>　　　　　クターの命名権（</a:t>
-            </a:r>
-            <a:r>
-              <a:rPr lang="en-US" altLang="ja-JP" dirty="0" smtClean="0"/>
-              <a:t>1</a:t>
-            </a:r>
-            <a:r>
-              <a:rPr lang="ja-JP" altLang="en-US" dirty="0" smtClean="0"/>
-              <a:t>人限定）　</a:t>
-            </a:r>
-            <a:r>
-              <a:rPr lang="en-US" altLang="ja-JP" dirty="0" smtClean="0"/>
-              <a:t>100</a:t>
-            </a:r>
-            <a:r>
-              <a:rPr lang="ja-JP" altLang="en-US" dirty="0" smtClean="0"/>
-              <a:t>万円</a:t>
-            </a:r>
-            <a:endParaRPr lang="en-US" altLang="ja-JP" dirty="0" smtClean="0"/>
+              <a:rPr kumimoji="1" lang="ja-JP" altLang="en-US" sz="6000" dirty="0" smtClean="0"/>
+              <a:t>ご清聴ありがとうございました</a:t>
+            </a:r>
+            <a:endParaRPr kumimoji="1" lang="ja-JP" altLang="en-US" sz="6000" dirty="0"/>
           </a:p>
         </p:txBody>
       </p:sp>
     </p:spTree>
     <p:extLst>
       <p:ext uri="{BB962C8B-B14F-4D97-AF65-F5344CB8AC3E}">
-        <p14:creationId xmlns:p14="http://schemas.microsoft.com/office/powerpoint/2010/main" val="2118528122"/>
+        <p14:creationId xmlns:p14="http://schemas.microsoft.com/office/powerpoint/2010/main" val="3652845912"/>
       </p:ext>
     </p:extLst>
   </p:cSld>
@@ -3778,25 +3935,6 @@
       </p:grpSpPr>
       <p:sp>
         <p:nvSpPr>
-          <p:cNvPr id="2" name="タイトル 1"/>
-          <p:cNvSpPr>
-            <a:spLocks noGrp="1"/>
-          </p:cNvSpPr>
-          <p:nvPr>
-            <p:ph type="title"/>
-          </p:nvPr>
-        </p:nvSpPr>
-        <p:spPr/>
-        <p:txBody>
-          <a:bodyPr/>
-          <a:lstStyle/>
-          <a:p>
-            <a:endParaRPr kumimoji="1" lang="ja-JP" altLang="en-US"/>
-          </a:p>
-        </p:txBody>
-      </p:sp>
-      <p:sp>
-        <p:nvSpPr>
           <p:cNvPr id="3" name="コンテンツ プレースホルダー 2"/>
           <p:cNvSpPr>
             <a:spLocks noGrp="1"/>
@@ -3805,12 +3943,54 @@
             <p:ph idx="1"/>
           </p:nvPr>
         </p:nvSpPr>
-        <p:spPr/>
-        <p:txBody>
-          <a:bodyPr/>
-          <a:lstStyle/>
-          <a:p>
-            <a:endParaRPr kumimoji="1" lang="ja-JP" altLang="en-US"/>
+        <p:spPr>
+          <a:xfrm>
+            <a:off x="838200" y="829733"/>
+            <a:ext cx="10515600" cy="3327400"/>
+          </a:xfrm>
+        </p:spPr>
+        <p:txBody>
+          <a:bodyPr>
+            <a:normAutofit/>
+          </a:bodyPr>
+          <a:lstStyle/>
+          <a:p>
+            <a:pPr marL="0" indent="0">
+              <a:buNone/>
+            </a:pPr>
+            <a:r>
+              <a:rPr lang="ja-JP" altLang="en-US" sz="3600" dirty="0" smtClean="0"/>
+              <a:t>もし契約などが出来ない場合</a:t>
+            </a:r>
+            <a:endParaRPr lang="en-US" altLang="ja-JP" sz="3600" dirty="0" smtClean="0"/>
+          </a:p>
+          <a:p>
+            <a:pPr marL="0" indent="0">
+              <a:buNone/>
+            </a:pPr>
+            <a:r>
+              <a:rPr lang="ja-JP" altLang="en-US" sz="3600" dirty="0" smtClean="0"/>
+              <a:t>旅行会社を作ろうと考えています</a:t>
+            </a:r>
+            <a:endParaRPr lang="en-US" altLang="ja-JP" sz="3600" dirty="0" smtClean="0"/>
+          </a:p>
+          <a:p>
+            <a:pPr marL="0" indent="0">
+              <a:buNone/>
+            </a:pPr>
+            <a:r>
+              <a:rPr lang="ja-JP" altLang="en-US" sz="3600" dirty="0" smtClean="0"/>
+              <a:t>そうなると金額のほうが＋</a:t>
+            </a:r>
+            <a:r>
+              <a:rPr lang="en-US" altLang="ja-JP" sz="3600" dirty="0" smtClean="0"/>
+              <a:t>500</a:t>
+            </a:r>
+            <a:r>
+              <a:rPr lang="ja-JP" altLang="en-US" sz="3600" dirty="0" smtClean="0"/>
+              <a:t>万くらいはかかると考えています</a:t>
+            </a:r>
+            <a:endParaRPr lang="en-US" altLang="ja-JP" sz="3600" dirty="0" smtClean="0"/>
           </a:p>
         </p:txBody>
       </p:sp>

--- a/final-tama269286043/発表資料.pptx
+++ b/final-tama269286043/発表資料.pptx
@@ -6,10 +6,11 @@
   </p:sldMasterIdLst>
   <p:sldIdLst>
     <p:sldId id="256" r:id="rId2"/>
-    <p:sldId id="257" r:id="rId3"/>
-    <p:sldId id="259" r:id="rId4"/>
-    <p:sldId id="261" r:id="rId5"/>
-    <p:sldId id="260" r:id="rId6"/>
+    <p:sldId id="262" r:id="rId3"/>
+    <p:sldId id="257" r:id="rId4"/>
+    <p:sldId id="259" r:id="rId5"/>
+    <p:sldId id="261" r:id="rId6"/>
+    <p:sldId id="260" r:id="rId7"/>
   </p:sldIdLst>
   <p:sldSz cx="12192000" cy="6858000"/>
   <p:notesSz cx="6858000" cy="9144000"/>
@@ -247,7 +248,7 @@
           <a:p>
             <a:fld id="{0795739F-60EE-459C-B2CB-3F6960D4ACE1}" type="datetimeFigureOut">
               <a:rPr kumimoji="1" lang="ja-JP" altLang="en-US" smtClean="0"/>
-              <a:t>2016/1/11</a:t>
+              <a:t>2016/1/13</a:t>
             </a:fld>
             <a:endParaRPr kumimoji="1" lang="ja-JP" altLang="en-US"/>
           </a:p>
@@ -449,7 +450,7 @@
           <a:p>
             <a:fld id="{0795739F-60EE-459C-B2CB-3F6960D4ACE1}" type="datetimeFigureOut">
               <a:rPr kumimoji="1" lang="ja-JP" altLang="en-US" smtClean="0"/>
-              <a:t>2016/1/11</a:t>
+              <a:t>2016/1/13</a:t>
             </a:fld>
             <a:endParaRPr kumimoji="1" lang="ja-JP" altLang="en-US"/>
           </a:p>
@@ -661,7 +662,7 @@
           <a:p>
             <a:fld id="{0795739F-60EE-459C-B2CB-3F6960D4ACE1}" type="datetimeFigureOut">
               <a:rPr kumimoji="1" lang="ja-JP" altLang="en-US" smtClean="0"/>
-              <a:t>2016/1/11</a:t>
+              <a:t>2016/1/13</a:t>
             </a:fld>
             <a:endParaRPr kumimoji="1" lang="ja-JP" altLang="en-US"/>
           </a:p>
@@ -863,7 +864,7 @@
           <a:p>
             <a:fld id="{0795739F-60EE-459C-B2CB-3F6960D4ACE1}" type="datetimeFigureOut">
               <a:rPr kumimoji="1" lang="ja-JP" altLang="en-US" smtClean="0"/>
-              <a:t>2016/1/11</a:t>
+              <a:t>2016/1/13</a:t>
             </a:fld>
             <a:endParaRPr kumimoji="1" lang="ja-JP" altLang="en-US"/>
           </a:p>
@@ -1109,7 +1110,7 @@
           <a:p>
             <a:fld id="{0795739F-60EE-459C-B2CB-3F6960D4ACE1}" type="datetimeFigureOut">
               <a:rPr kumimoji="1" lang="ja-JP" altLang="en-US" smtClean="0"/>
-              <a:t>2016/1/11</a:t>
+              <a:t>2016/1/13</a:t>
             </a:fld>
             <a:endParaRPr kumimoji="1" lang="ja-JP" altLang="en-US"/>
           </a:p>
@@ -1405,7 +1406,7 @@
           <a:p>
             <a:fld id="{0795739F-60EE-459C-B2CB-3F6960D4ACE1}" type="datetimeFigureOut">
               <a:rPr kumimoji="1" lang="ja-JP" altLang="en-US" smtClean="0"/>
-              <a:t>2016/1/11</a:t>
+              <a:t>2016/1/13</a:t>
             </a:fld>
             <a:endParaRPr kumimoji="1" lang="ja-JP" altLang="en-US"/>
           </a:p>
@@ -1836,7 +1837,7 @@
           <a:p>
             <a:fld id="{0795739F-60EE-459C-B2CB-3F6960D4ACE1}" type="datetimeFigureOut">
               <a:rPr kumimoji="1" lang="ja-JP" altLang="en-US" smtClean="0"/>
-              <a:t>2016/1/11</a:t>
+              <a:t>2016/1/13</a:t>
             </a:fld>
             <a:endParaRPr kumimoji="1" lang="ja-JP" altLang="en-US"/>
           </a:p>
@@ -1954,7 +1955,7 @@
           <a:p>
             <a:fld id="{0795739F-60EE-459C-B2CB-3F6960D4ACE1}" type="datetimeFigureOut">
               <a:rPr kumimoji="1" lang="ja-JP" altLang="en-US" smtClean="0"/>
-              <a:t>2016/1/11</a:t>
+              <a:t>2016/1/13</a:t>
             </a:fld>
             <a:endParaRPr kumimoji="1" lang="ja-JP" altLang="en-US"/>
           </a:p>
@@ -2049,7 +2050,7 @@
           <a:p>
             <a:fld id="{0795739F-60EE-459C-B2CB-3F6960D4ACE1}" type="datetimeFigureOut">
               <a:rPr kumimoji="1" lang="ja-JP" altLang="en-US" smtClean="0"/>
-              <a:t>2016/1/11</a:t>
+              <a:t>2016/1/13</a:t>
             </a:fld>
             <a:endParaRPr kumimoji="1" lang="ja-JP" altLang="en-US"/>
           </a:p>
@@ -2358,7 +2359,7 @@
           <a:p>
             <a:fld id="{0795739F-60EE-459C-B2CB-3F6960D4ACE1}" type="datetimeFigureOut">
               <a:rPr kumimoji="1" lang="ja-JP" altLang="en-US" smtClean="0"/>
-              <a:t>2016/1/11</a:t>
+              <a:t>2016/1/13</a:t>
             </a:fld>
             <a:endParaRPr kumimoji="1" lang="ja-JP" altLang="en-US"/>
           </a:p>
@@ -2611,7 +2612,7 @@
           <a:p>
             <a:fld id="{0795739F-60EE-459C-B2CB-3F6960D4ACE1}" type="datetimeFigureOut">
               <a:rPr kumimoji="1" lang="ja-JP" altLang="en-US" smtClean="0"/>
-              <a:t>2016/1/11</a:t>
+              <a:t>2016/1/13</a:t>
             </a:fld>
             <a:endParaRPr kumimoji="1" lang="ja-JP" altLang="en-US"/>
           </a:p>
@@ -2856,7 +2857,7 @@
           <a:p>
             <a:fld id="{0795739F-60EE-459C-B2CB-3F6960D4ACE1}" type="datetimeFigureOut">
               <a:rPr kumimoji="1" lang="ja-JP" altLang="en-US" smtClean="0"/>
-              <a:t>2016/1/11</a:t>
+              <a:t>2016/1/13</a:t>
             </a:fld>
             <a:endParaRPr kumimoji="1" lang="ja-JP" altLang="en-US"/>
           </a:p>
@@ -3370,7 +3371,31 @@
       </p:grpSpPr>
       <p:sp>
         <p:nvSpPr>
-          <p:cNvPr id="5" name="コンテンツ プレースホルダー 4"/>
+          <p:cNvPr id="2" name="タイトル 1"/>
+          <p:cNvSpPr>
+            <a:spLocks noGrp="1"/>
+          </p:cNvSpPr>
+          <p:nvPr>
+            <p:ph type="title"/>
+          </p:nvPr>
+        </p:nvSpPr>
+        <p:spPr/>
+        <p:txBody>
+          <a:bodyPr/>
+          <a:lstStyle/>
+          <a:p>
+            <a:pPr algn="ctr"/>
+            <a:r>
+              <a:rPr kumimoji="1" lang="ja-JP" altLang="en-US" dirty="0" smtClean="0"/>
+              <a:t>類似アプリ</a:t>
+            </a:r>
+            <a:endParaRPr kumimoji="1" lang="ja-JP" altLang="en-US" dirty="0"/>
+          </a:p>
+        </p:txBody>
+      </p:sp>
+      <p:sp>
+        <p:nvSpPr>
+          <p:cNvPr id="3" name="コンテンツ プレースホルダー 2"/>
           <p:cNvSpPr>
             <a:spLocks noGrp="1"/>
           </p:cNvSpPr>
@@ -3378,17 +3403,39 @@
             <p:ph idx="1"/>
           </p:nvPr>
         </p:nvSpPr>
-        <p:spPr>
-          <a:xfrm>
-            <a:off x="838200" y="254000"/>
-            <a:ext cx="10515600" cy="5922963"/>
-          </a:xfrm>
-        </p:spPr>
-        <p:txBody>
-          <a:bodyPr>
-            <a:normAutofit/>
-          </a:bodyPr>
-          <a:lstStyle/>
+        <p:spPr/>
+        <p:txBody>
+          <a:bodyPr/>
+          <a:lstStyle/>
+          <a:p>
+            <a:pPr marL="0" indent="0">
+              <a:buNone/>
+            </a:pPr>
+            <a:r>
+              <a:rPr kumimoji="1" lang="ja-JP" altLang="en-US" dirty="0" smtClean="0"/>
+              <a:t>・まちクエスト</a:t>
+            </a:r>
+            <a:endParaRPr kumimoji="1" lang="en-US" altLang="ja-JP" dirty="0" smtClean="0"/>
+          </a:p>
+          <a:p>
+            <a:pPr marL="0" indent="0">
+              <a:buNone/>
+            </a:pPr>
+            <a:endParaRPr lang="en-US" altLang="ja-JP" dirty="0"/>
+          </a:p>
+          <a:p>
+            <a:pPr marL="0" indent="0">
+              <a:buNone/>
+            </a:pPr>
+            <a:r>
+              <a:rPr kumimoji="1" lang="ja-JP" altLang="en-US" dirty="0" smtClean="0"/>
+              <a:t>・</a:t>
+            </a:r>
+            <a:r>
+              <a:rPr kumimoji="1" lang="en-US" altLang="ja-JP" dirty="0" smtClean="0"/>
+              <a:t>ingress</a:t>
+            </a:r>
+          </a:p>
           <a:p>
             <a:pPr marL="0" indent="0">
               <a:buNone/>
@@ -3396,175 +3443,21 @@
             <a:endParaRPr lang="en-US" altLang="ja-JP" dirty="0" smtClean="0"/>
           </a:p>
           <a:p>
-            <a:pPr marL="0" indent="0" algn="ctr">
+            <a:pPr marL="0" indent="0">
               <a:buNone/>
             </a:pPr>
             <a:r>
               <a:rPr lang="ja-JP" altLang="en-US" dirty="0" smtClean="0"/>
-              <a:t>まちを歩いて宝箱を探し、その箱の解錠に必要な問題に</a:t>
-            </a:r>
-            <a:endParaRPr lang="en-US" altLang="ja-JP" dirty="0" smtClean="0"/>
-          </a:p>
-          <a:p>
-            <a:pPr marL="0" indent="0" algn="ctr">
-              <a:buNone/>
-            </a:pPr>
-            <a:r>
-              <a:rPr lang="ja-JP" altLang="en-US" dirty="0" smtClean="0"/>
-              <a:t>正解</a:t>
-            </a:r>
-            <a:r>
-              <a:rPr lang="ja-JP" altLang="en-US" dirty="0"/>
-              <a:t>すると</a:t>
-            </a:r>
-            <a:r>
-              <a:rPr lang="ja-JP" altLang="en-US" dirty="0" smtClean="0"/>
-              <a:t>、箱が開き</a:t>
-            </a:r>
-            <a:r>
-              <a:rPr lang="ja-JP" altLang="en-US" dirty="0"/>
-              <a:t>、まちポイントが手に</a:t>
-            </a:r>
-            <a:r>
-              <a:rPr lang="ja-JP" altLang="en-US" dirty="0" smtClean="0"/>
-              <a:t>入ります。</a:t>
+              <a:t>　　　　　　など</a:t>
             </a:r>
             <a:endParaRPr lang="en-US" altLang="ja-JP" dirty="0"/>
-          </a:p>
-          <a:p>
-            <a:pPr marL="0" indent="0" algn="ctr">
-              <a:buNone/>
-            </a:pPr>
-            <a:endParaRPr lang="en-US" altLang="ja-JP" dirty="0" smtClean="0"/>
-          </a:p>
-          <a:p>
-            <a:pPr marL="0" indent="0" algn="ctr">
-              <a:buNone/>
-            </a:pPr>
-            <a:r>
-              <a:rPr lang="ja-JP" altLang="en-US" dirty="0" smtClean="0"/>
-              <a:t>まちポイントを</a:t>
-            </a:r>
-            <a:r>
-              <a:rPr lang="ja-JP" altLang="en-US" dirty="0"/>
-              <a:t>集めることで</a:t>
-            </a:r>
-            <a:r>
-              <a:rPr lang="ja-JP" altLang="en-US" dirty="0" smtClean="0"/>
-              <a:t>、自分</a:t>
-            </a:r>
-            <a:r>
-              <a:rPr lang="ja-JP" altLang="en-US" dirty="0"/>
-              <a:t>のランクが上がって</a:t>
-            </a:r>
-            <a:r>
-              <a:rPr lang="ja-JP" altLang="en-US" dirty="0" smtClean="0"/>
-              <a:t>いく</a:t>
-            </a:r>
-            <a:endParaRPr lang="en-US" altLang="ja-JP" dirty="0" smtClean="0"/>
-          </a:p>
-          <a:p>
-            <a:pPr marL="0" indent="0" algn="ctr">
-              <a:buNone/>
-            </a:pPr>
-            <a:r>
-              <a:rPr lang="ja-JP" altLang="en-US" dirty="0" smtClean="0"/>
-              <a:t>　　　　　ランク</a:t>
-            </a:r>
-            <a:r>
-              <a:rPr lang="ja-JP" altLang="en-US" dirty="0"/>
-              <a:t>が上がることで今まで存在しなかった</a:t>
-            </a:r>
-            <a:r>
-              <a:rPr lang="ja-JP" altLang="en-US" dirty="0" smtClean="0"/>
-              <a:t>宝箱</a:t>
-            </a:r>
-            <a:r>
-              <a:rPr lang="ja-JP" altLang="en-US" dirty="0"/>
-              <a:t>が出現する</a:t>
-            </a:r>
-            <a:r>
-              <a:rPr lang="ja-JP" altLang="en-US" dirty="0" smtClean="0"/>
-              <a:t>。</a:t>
-            </a:r>
-            <a:endParaRPr lang="en-US" altLang="ja-JP" dirty="0" smtClean="0"/>
-          </a:p>
-          <a:p>
-            <a:pPr marL="0" indent="0">
-              <a:buNone/>
-            </a:pPr>
-            <a:endParaRPr lang="en-US" altLang="ja-JP" dirty="0" smtClean="0"/>
-          </a:p>
-          <a:p>
-            <a:pPr marL="0" indent="0" algn="ctr">
-              <a:buNone/>
-            </a:pPr>
-            <a:endParaRPr lang="en-US" altLang="ja-JP" dirty="0" smtClean="0"/>
-          </a:p>
-          <a:p>
-            <a:pPr marL="0" indent="0" algn="ctr">
-              <a:buNone/>
-            </a:pPr>
-            <a:r>
-              <a:rPr lang="ja-JP" altLang="en-US" dirty="0" smtClean="0"/>
-              <a:t>ゲーム</a:t>
-            </a:r>
-            <a:r>
-              <a:rPr lang="ja-JP" altLang="en-US" dirty="0"/>
-              <a:t>以外にも、旅行の</a:t>
-            </a:r>
-            <a:r>
-              <a:rPr lang="ja-JP" altLang="en-US" dirty="0" smtClean="0"/>
-              <a:t>情報を見るといったことも</a:t>
-            </a:r>
-            <a:r>
-              <a:rPr lang="ja-JP" altLang="en-US" dirty="0"/>
-              <a:t>できる</a:t>
-            </a:r>
-            <a:r>
-              <a:rPr lang="ja-JP" altLang="en-US" dirty="0" smtClean="0"/>
-              <a:t>。</a:t>
-            </a:r>
-            <a:endParaRPr lang="en-US" altLang="ja-JP" dirty="0" smtClean="0"/>
-          </a:p>
-          <a:p>
-            <a:pPr marL="0" indent="0" algn="ctr">
-              <a:buNone/>
-            </a:pPr>
-            <a:endParaRPr lang="en-US" altLang="ja-JP" dirty="0" smtClean="0"/>
-          </a:p>
-          <a:p>
-            <a:pPr marL="0" indent="0" algn="ctr">
-              <a:buNone/>
-            </a:pPr>
-            <a:r>
-              <a:rPr lang="ja-JP" altLang="en-US" dirty="0" smtClean="0"/>
-              <a:t>その他</a:t>
-            </a:r>
-            <a:r>
-              <a:rPr lang="ja-JP" altLang="en-US" dirty="0"/>
-              <a:t>にもランクに応じて</a:t>
-            </a:r>
-            <a:r>
-              <a:rPr lang="ja-JP" altLang="en-US" dirty="0" smtClean="0"/>
-              <a:t>旅行の割引きなど</a:t>
-            </a:r>
-            <a:r>
-              <a:rPr lang="ja-JP" altLang="en-US" dirty="0"/>
-              <a:t>もあります</a:t>
-            </a:r>
-            <a:r>
-              <a:rPr lang="ja-JP" altLang="en-US" dirty="0" smtClean="0"/>
-              <a:t>。</a:t>
-            </a:r>
-            <a:endParaRPr lang="ja-JP" altLang="en-US" dirty="0"/>
           </a:p>
         </p:txBody>
       </p:sp>
     </p:spTree>
     <p:extLst>
       <p:ext uri="{BB962C8B-B14F-4D97-AF65-F5344CB8AC3E}">
-        <p14:creationId xmlns:p14="http://schemas.microsoft.com/office/powerpoint/2010/main" val="3909090369"/>
+        <p14:creationId xmlns:p14="http://schemas.microsoft.com/office/powerpoint/2010/main" val="2746170775"/>
       </p:ext>
     </p:extLst>
   </p:cSld>
@@ -3593,259 +3486,201 @@
       </p:grpSpPr>
       <p:sp>
         <p:nvSpPr>
-          <p:cNvPr id="2" name="タイトル 1"/>
-          <p:cNvSpPr>
-            <a:spLocks noGrp="1"/>
-          </p:cNvSpPr>
-          <p:nvPr>
-            <p:ph type="title"/>
-          </p:nvPr>
-        </p:nvSpPr>
-        <p:spPr/>
+          <p:cNvPr id="5" name="コンテンツ プレースホルダー 4"/>
+          <p:cNvSpPr>
+            <a:spLocks noGrp="1"/>
+          </p:cNvSpPr>
+          <p:nvPr>
+            <p:ph idx="1"/>
+          </p:nvPr>
+        </p:nvSpPr>
+        <p:spPr>
+          <a:xfrm>
+            <a:off x="838200" y="254000"/>
+            <a:ext cx="10515600" cy="5922963"/>
+          </a:xfrm>
+        </p:spPr>
         <p:txBody>
           <a:bodyPr>
             <a:normAutofit/>
           </a:bodyPr>
           <a:lstStyle/>
           <a:p>
-            <a:pPr algn="ctr"/>
+            <a:pPr marL="0" indent="0">
+              <a:buNone/>
+            </a:pPr>
+            <a:endParaRPr lang="en-US" altLang="ja-JP" dirty="0" smtClean="0"/>
+          </a:p>
+          <a:p>
+            <a:pPr marL="0" indent="0" algn="ctr">
+              <a:buNone/>
+            </a:pPr>
             <a:r>
               <a:rPr lang="ja-JP" altLang="en-US" dirty="0" smtClean="0"/>
-              <a:t>必要資金とリワード</a:t>
-            </a:r>
-            <a:endParaRPr kumimoji="1" lang="ja-JP" altLang="en-US" dirty="0"/>
-          </a:p>
-        </p:txBody>
-      </p:sp>
-      <p:sp>
-        <p:nvSpPr>
-          <p:cNvPr id="6" name="コンテンツ プレースホルダー 5"/>
-          <p:cNvSpPr>
-            <a:spLocks noGrp="1"/>
-          </p:cNvSpPr>
-          <p:nvPr>
-            <p:ph idx="1"/>
-          </p:nvPr>
-        </p:nvSpPr>
-        <p:spPr>
-          <a:xfrm>
-            <a:off x="838200" y="1825625"/>
-            <a:ext cx="10515600" cy="4846108"/>
-          </a:xfrm>
-        </p:spPr>
-        <p:txBody>
-          <a:bodyPr>
-            <a:normAutofit fontScale="92500" lnSpcReduction="20000"/>
-          </a:bodyPr>
-          <a:lstStyle/>
+              <a:t>まちを歩いて宝箱を探し、その箱の解錠に必要な問題に</a:t>
+            </a:r>
+            <a:endParaRPr lang="en-US" altLang="ja-JP" dirty="0" smtClean="0"/>
+          </a:p>
           <a:p>
             <a:pPr marL="0" indent="0" algn="ctr">
               <a:buNone/>
             </a:pPr>
             <a:r>
-              <a:rPr lang="ja-JP" altLang="en-US" sz="3200" dirty="0" smtClean="0"/>
-              <a:t>必要資金　</a:t>
-            </a:r>
-            <a:r>
-              <a:rPr lang="en-US" altLang="ja-JP" sz="3200" dirty="0" smtClean="0"/>
-              <a:t>800</a:t>
-            </a:r>
-            <a:r>
-              <a:rPr lang="ja-JP" altLang="en-US" sz="3200" dirty="0" smtClean="0"/>
-              <a:t>万円</a:t>
-            </a:r>
-            <a:endParaRPr lang="en-US" altLang="ja-JP" sz="3200" dirty="0" smtClean="0"/>
+              <a:rPr lang="ja-JP" altLang="en-US" dirty="0" smtClean="0"/>
+              <a:t>正解</a:t>
+            </a:r>
+            <a:r>
+              <a:rPr lang="ja-JP" altLang="en-US" dirty="0"/>
+              <a:t>すると</a:t>
+            </a:r>
+            <a:r>
+              <a:rPr lang="ja-JP" altLang="en-US" dirty="0" smtClean="0"/>
+              <a:t>、箱が開き</a:t>
+            </a:r>
+            <a:r>
+              <a:rPr lang="ja-JP" altLang="en-US" dirty="0"/>
+              <a:t>、まちポイントが手に</a:t>
+            </a:r>
+            <a:r>
+              <a:rPr lang="ja-JP" altLang="en-US" dirty="0" smtClean="0"/>
+              <a:t>入ります。</a:t>
+            </a:r>
+            <a:endParaRPr lang="en-US" altLang="ja-JP" dirty="0"/>
           </a:p>
           <a:p>
             <a:pPr marL="0" indent="0" algn="ctr">
               <a:buNone/>
             </a:pPr>
-            <a:r>
-              <a:rPr lang="ja-JP" altLang="en-US" sz="3200" dirty="0" smtClean="0"/>
-              <a:t>リワード</a:t>
-            </a:r>
-            <a:endParaRPr lang="en-US" altLang="ja-JP" sz="3200" dirty="0" smtClean="0"/>
+            <a:endParaRPr lang="en-US" altLang="ja-JP" dirty="0" smtClean="0"/>
+          </a:p>
+          <a:p>
+            <a:pPr marL="0" indent="0" algn="ctr">
+              <a:buNone/>
+            </a:pPr>
+            <a:r>
+              <a:rPr lang="ja-JP" altLang="en-US" dirty="0" smtClean="0"/>
+              <a:t>まちポイントを</a:t>
+            </a:r>
+            <a:r>
+              <a:rPr lang="ja-JP" altLang="en-US" dirty="0"/>
+              <a:t>集めることで</a:t>
+            </a:r>
+            <a:r>
+              <a:rPr lang="ja-JP" altLang="en-US" dirty="0" smtClean="0"/>
+              <a:t>、自分</a:t>
+            </a:r>
+            <a:r>
+              <a:rPr lang="ja-JP" altLang="en-US" dirty="0"/>
+              <a:t>のランクが上がって</a:t>
+            </a:r>
+            <a:r>
+              <a:rPr lang="ja-JP" altLang="en-US" dirty="0" smtClean="0"/>
+              <a:t>いく</a:t>
+            </a:r>
+            <a:endParaRPr lang="en-US" altLang="ja-JP" dirty="0" smtClean="0"/>
+          </a:p>
+          <a:p>
+            <a:pPr marL="0" indent="0" algn="ctr">
+              <a:buNone/>
+            </a:pPr>
+            <a:r>
+              <a:rPr lang="ja-JP" altLang="en-US" dirty="0" smtClean="0"/>
+              <a:t>　　　　　ランク</a:t>
+            </a:r>
+            <a:r>
+              <a:rPr lang="ja-JP" altLang="en-US" dirty="0"/>
+              <a:t>が上がることで今まで存在しなかった</a:t>
+            </a:r>
+            <a:r>
+              <a:rPr lang="ja-JP" altLang="en-US" dirty="0" smtClean="0"/>
+              <a:t>宝箱</a:t>
+            </a:r>
+            <a:r>
+              <a:rPr lang="ja-JP" altLang="en-US" dirty="0"/>
+              <a:t>が出現する</a:t>
+            </a:r>
+            <a:r>
+              <a:rPr lang="ja-JP" altLang="en-US" dirty="0" smtClean="0"/>
+              <a:t>。</a:t>
+            </a:r>
+            <a:endParaRPr lang="en-US" altLang="ja-JP" dirty="0" smtClean="0"/>
           </a:p>
           <a:p>
             <a:pPr marL="0" indent="0">
               <a:buNone/>
             </a:pPr>
+            <a:endParaRPr lang="en-US" altLang="ja-JP" dirty="0" smtClean="0"/>
+          </a:p>
+          <a:p>
+            <a:pPr marL="0" indent="0" algn="ctr">
+              <a:buNone/>
+            </a:pPr>
+            <a:endParaRPr lang="en-US" altLang="ja-JP" dirty="0" smtClean="0"/>
+          </a:p>
+          <a:p>
+            <a:pPr marL="0" indent="0" algn="ctr">
+              <a:buNone/>
+            </a:pPr>
             <a:r>
               <a:rPr lang="ja-JP" altLang="en-US" dirty="0" smtClean="0"/>
-              <a:t>　　１　サンクスメール</a:t>
+              <a:t>ゲーム</a:t>
             </a:r>
             <a:r>
               <a:rPr lang="ja-JP" altLang="en-US" dirty="0"/>
-              <a:t>　</a:t>
-            </a:r>
-            <a:r>
-              <a:rPr lang="en-US" altLang="ja-JP" dirty="0" smtClean="0"/>
-              <a:t>3000</a:t>
+              <a:t>以外にも、旅行の</a:t>
             </a:r>
             <a:r>
               <a:rPr lang="ja-JP" altLang="en-US" dirty="0" smtClean="0"/>
-              <a:t>円</a:t>
+              <a:t>情報を見るといったことも</a:t>
+            </a:r>
+            <a:r>
+              <a:rPr lang="ja-JP" altLang="en-US" dirty="0"/>
+              <a:t>できる</a:t>
+            </a:r>
+            <a:r>
+              <a:rPr lang="ja-JP" altLang="en-US" dirty="0" smtClean="0"/>
+              <a:t>。</a:t>
             </a:r>
             <a:endParaRPr lang="en-US" altLang="ja-JP" dirty="0" smtClean="0"/>
           </a:p>
           <a:p>
-            <a:pPr marL="0" indent="0">
+            <a:pPr marL="0" indent="0" algn="ctr">
               <a:buNone/>
             </a:pPr>
+            <a:endParaRPr lang="en-US" altLang="ja-JP" dirty="0" smtClean="0"/>
+          </a:p>
+          <a:p>
+            <a:pPr marL="0" indent="0" algn="ctr">
+              <a:buNone/>
+            </a:pPr>
             <a:r>
               <a:rPr lang="ja-JP" altLang="en-US" dirty="0" smtClean="0"/>
-              <a:t>　　２　支援者名クレジット＋サンクスメール　</a:t>
-            </a:r>
-            <a:r>
-              <a:rPr lang="en-US" altLang="ja-JP" dirty="0" smtClean="0"/>
-              <a:t>1</a:t>
+              <a:t>その他</a:t>
+            </a:r>
+            <a:r>
+              <a:rPr lang="ja-JP" altLang="en-US" dirty="0"/>
+              <a:t>にもランクに応じて</a:t>
             </a:r>
             <a:r>
               <a:rPr lang="ja-JP" altLang="en-US" dirty="0" smtClean="0"/>
-              <a:t>万円</a:t>
-            </a:r>
-            <a:endParaRPr lang="en-US" altLang="ja-JP" dirty="0" smtClean="0"/>
-          </a:p>
-          <a:p>
-            <a:pPr marL="0" indent="0">
-              <a:buNone/>
-            </a:pPr>
+              <a:t>旅行の割引きなど</a:t>
+            </a:r>
             <a:r>
               <a:rPr lang="ja-JP" altLang="en-US" dirty="0"/>
-              <a:t>　</a:t>
+              <a:t>もあります</a:t>
             </a:r>
             <a:r>
               <a:rPr lang="ja-JP" altLang="en-US" dirty="0" smtClean="0"/>
-              <a:t>　３　支援者名クレジット＋サンクスメール＋</a:t>
-            </a:r>
-            <a:r>
-              <a:rPr lang="en-US" altLang="ja-JP" dirty="0" smtClean="0"/>
-              <a:t>β</a:t>
-            </a:r>
-            <a:r>
-              <a:rPr lang="ja-JP" altLang="en-US" dirty="0" smtClean="0"/>
-              <a:t>テスト優先権</a:t>
-            </a:r>
-            <a:r>
-              <a:rPr lang="ja-JP" altLang="en-US" dirty="0"/>
-              <a:t>　</a:t>
-            </a:r>
-            <a:r>
-              <a:rPr lang="ja-JP" altLang="en-US" dirty="0" smtClean="0"/>
-              <a:t>３万円</a:t>
-            </a:r>
-            <a:endParaRPr lang="en-US" altLang="ja-JP" dirty="0" smtClean="0"/>
-          </a:p>
-          <a:p>
-            <a:pPr marL="0" indent="0">
-              <a:buNone/>
-            </a:pPr>
-            <a:r>
-              <a:rPr lang="ja-JP" altLang="en-US" dirty="0"/>
-              <a:t>　</a:t>
-            </a:r>
-            <a:r>
-              <a:rPr lang="ja-JP" altLang="en-US" dirty="0" smtClean="0"/>
-              <a:t>　４　支援者名クレジット＋サンクスメール＋各地の名産詰め合わせ　　　　　　　　　　</a:t>
-            </a:r>
-            <a:endParaRPr lang="en-US" altLang="ja-JP" dirty="0" smtClean="0"/>
-          </a:p>
-          <a:p>
-            <a:pPr marL="0" indent="0">
-              <a:buNone/>
-            </a:pPr>
-            <a:r>
-              <a:rPr kumimoji="1" lang="ja-JP" altLang="en-US" sz="3200" dirty="0"/>
-              <a:t>　</a:t>
-            </a:r>
-            <a:r>
-              <a:rPr kumimoji="1" lang="ja-JP" altLang="en-US" sz="3200" dirty="0" smtClean="0"/>
-              <a:t>　　　</a:t>
-            </a:r>
-            <a:r>
-              <a:rPr kumimoji="1" lang="ja-JP" altLang="en-US" dirty="0" smtClean="0"/>
-              <a:t>５万円</a:t>
-            </a:r>
-            <a:endParaRPr kumimoji="1" lang="en-US" altLang="ja-JP" dirty="0" smtClean="0"/>
-          </a:p>
-          <a:p>
-            <a:pPr marL="0" indent="0">
-              <a:buNone/>
-            </a:pPr>
-            <a:r>
-              <a:rPr lang="ja-JP" altLang="en-US" dirty="0"/>
-              <a:t>　</a:t>
-            </a:r>
-            <a:r>
-              <a:rPr lang="ja-JP" altLang="en-US" dirty="0" smtClean="0"/>
-              <a:t>　５　支援者名クレジット＋サンクスメール＋無条件出現宝箱のすべ</a:t>
-            </a:r>
-            <a:endParaRPr lang="en-US" altLang="ja-JP" dirty="0" smtClean="0"/>
-          </a:p>
-          <a:p>
-            <a:pPr marL="0" indent="0">
-              <a:buNone/>
-            </a:pPr>
-            <a:r>
-              <a:rPr lang="ja-JP" altLang="en-US" dirty="0" smtClean="0"/>
-              <a:t>　　　　　</a:t>
-            </a:r>
-            <a:r>
-              <a:rPr lang="ja-JP" altLang="en-US" dirty="0" err="1" smtClean="0"/>
-              <a:t>てを</a:t>
-            </a:r>
-            <a:r>
-              <a:rPr lang="ja-JP" altLang="en-US" dirty="0" smtClean="0"/>
-              <a:t>知る権利　１０万円</a:t>
-            </a:r>
-            <a:endParaRPr lang="en-US" altLang="ja-JP" dirty="0" smtClean="0"/>
-          </a:p>
-          <a:p>
-            <a:pPr marL="0" indent="0">
-              <a:buNone/>
-            </a:pPr>
-            <a:r>
-              <a:rPr lang="ja-JP" altLang="en-US" dirty="0"/>
-              <a:t>　</a:t>
-            </a:r>
-            <a:r>
-              <a:rPr lang="ja-JP" altLang="en-US" dirty="0" smtClean="0"/>
-              <a:t>　６　支援者名クレジット＋サンクスメール＋このゲームのマスコットキャラ</a:t>
-            </a:r>
-            <a:endParaRPr lang="en-US" altLang="ja-JP" dirty="0" smtClean="0"/>
-          </a:p>
-          <a:p>
-            <a:pPr marL="0" indent="0">
-              <a:buNone/>
-            </a:pPr>
-            <a:r>
-              <a:rPr lang="ja-JP" altLang="en-US" dirty="0" smtClean="0"/>
-              <a:t>　　　　　クターの命名権（</a:t>
-            </a:r>
-            <a:r>
-              <a:rPr lang="en-US" altLang="ja-JP" dirty="0" smtClean="0"/>
-              <a:t>1</a:t>
-            </a:r>
-            <a:r>
-              <a:rPr lang="ja-JP" altLang="en-US" dirty="0" smtClean="0"/>
-              <a:t>人限定）　</a:t>
-            </a:r>
-            <a:r>
-              <a:rPr lang="en-US" altLang="ja-JP" dirty="0" smtClean="0"/>
-              <a:t>100</a:t>
-            </a:r>
-            <a:r>
-              <a:rPr lang="ja-JP" altLang="en-US" dirty="0" smtClean="0"/>
-              <a:t>万円</a:t>
-            </a:r>
-            <a:endParaRPr lang="en-US" altLang="ja-JP" dirty="0" smtClean="0"/>
+              <a:t>。</a:t>
+            </a:r>
+            <a:endParaRPr lang="ja-JP" altLang="en-US" dirty="0"/>
           </a:p>
         </p:txBody>
       </p:sp>
     </p:spTree>
     <p:extLst>
       <p:ext uri="{BB962C8B-B14F-4D97-AF65-F5344CB8AC3E}">
-        <p14:creationId xmlns:p14="http://schemas.microsoft.com/office/powerpoint/2010/main" val="2118528122"/>
+        <p14:creationId xmlns:p14="http://schemas.microsoft.com/office/powerpoint/2010/main" val="3909090369"/>
       </p:ext>
     </p:extLst>
   </p:cSld>
@@ -3882,6 +3717,287 @@
             <p:ph type="title"/>
           </p:nvPr>
         </p:nvSpPr>
+        <p:spPr/>
+        <p:txBody>
+          <a:bodyPr>
+            <a:normAutofit/>
+          </a:bodyPr>
+          <a:lstStyle/>
+          <a:p>
+            <a:pPr algn="ctr"/>
+            <a:r>
+              <a:rPr lang="ja-JP" altLang="en-US" dirty="0" smtClean="0"/>
+              <a:t>必要資金とリワード</a:t>
+            </a:r>
+            <a:endParaRPr kumimoji="1" lang="ja-JP" altLang="en-US" dirty="0"/>
+          </a:p>
+        </p:txBody>
+      </p:sp>
+      <p:sp>
+        <p:nvSpPr>
+          <p:cNvPr id="6" name="コンテンツ プレースホルダー 5"/>
+          <p:cNvSpPr>
+            <a:spLocks noGrp="1"/>
+          </p:cNvSpPr>
+          <p:nvPr>
+            <p:ph idx="1"/>
+          </p:nvPr>
+        </p:nvSpPr>
+        <p:spPr>
+          <a:xfrm>
+            <a:off x="838200" y="1825625"/>
+            <a:ext cx="10515600" cy="4846108"/>
+          </a:xfrm>
+        </p:spPr>
+        <p:txBody>
+          <a:bodyPr>
+            <a:normAutofit fontScale="92500" lnSpcReduction="20000"/>
+          </a:bodyPr>
+          <a:lstStyle/>
+          <a:p>
+            <a:pPr marL="0" indent="0" algn="ctr">
+              <a:buNone/>
+            </a:pPr>
+            <a:r>
+              <a:rPr lang="ja-JP" altLang="en-US" sz="3200" dirty="0" smtClean="0"/>
+              <a:t>必要資金　</a:t>
+            </a:r>
+            <a:r>
+              <a:rPr lang="en-US" altLang="ja-JP" sz="3200" dirty="0" smtClean="0"/>
+              <a:t>800</a:t>
+            </a:r>
+            <a:r>
+              <a:rPr lang="ja-JP" altLang="en-US" sz="3200" dirty="0" smtClean="0"/>
+              <a:t>万円</a:t>
+            </a:r>
+            <a:endParaRPr lang="en-US" altLang="ja-JP" sz="3200" dirty="0" smtClean="0"/>
+          </a:p>
+          <a:p>
+            <a:pPr marL="0" indent="0" algn="ctr">
+              <a:buNone/>
+            </a:pPr>
+            <a:r>
+              <a:rPr lang="ja-JP" altLang="en-US" sz="3200" dirty="0" smtClean="0"/>
+              <a:t>リワード</a:t>
+            </a:r>
+            <a:endParaRPr lang="en-US" altLang="ja-JP" sz="3200" dirty="0" smtClean="0"/>
+          </a:p>
+          <a:p>
+            <a:pPr marL="0" indent="0">
+              <a:buNone/>
+            </a:pPr>
+            <a:r>
+              <a:rPr lang="ja-JP" altLang="en-US" dirty="0" smtClean="0"/>
+              <a:t>　　１　サンクスメール</a:t>
+            </a:r>
+            <a:r>
+              <a:rPr lang="ja-JP" altLang="en-US" dirty="0"/>
+              <a:t>　</a:t>
+            </a:r>
+            <a:r>
+              <a:rPr lang="en-US" altLang="ja-JP" dirty="0" smtClean="0"/>
+              <a:t>3000</a:t>
+            </a:r>
+            <a:r>
+              <a:rPr lang="ja-JP" altLang="en-US" dirty="0" smtClean="0"/>
+              <a:t>円</a:t>
+            </a:r>
+            <a:endParaRPr lang="en-US" altLang="ja-JP" dirty="0" smtClean="0"/>
+          </a:p>
+          <a:p>
+            <a:pPr marL="0" indent="0">
+              <a:buNone/>
+            </a:pPr>
+            <a:r>
+              <a:rPr lang="ja-JP" altLang="en-US" dirty="0" smtClean="0"/>
+              <a:t>　　２　支援者名クレジット＋サンクスメール　</a:t>
+            </a:r>
+            <a:r>
+              <a:rPr lang="en-US" altLang="ja-JP" dirty="0" smtClean="0"/>
+              <a:t>1</a:t>
+            </a:r>
+            <a:r>
+              <a:rPr lang="ja-JP" altLang="en-US" dirty="0" smtClean="0"/>
+              <a:t>万円</a:t>
+            </a:r>
+            <a:endParaRPr lang="en-US" altLang="ja-JP" dirty="0" smtClean="0"/>
+          </a:p>
+          <a:p>
+            <a:pPr marL="0" indent="0">
+              <a:buNone/>
+            </a:pPr>
+            <a:r>
+              <a:rPr lang="ja-JP" altLang="en-US" dirty="0"/>
+              <a:t>　</a:t>
+            </a:r>
+            <a:r>
+              <a:rPr lang="ja-JP" altLang="en-US" dirty="0" smtClean="0"/>
+              <a:t>　３　支援者名クレジット＋サンクスメール＋</a:t>
+            </a:r>
+            <a:r>
+              <a:rPr lang="en-US" altLang="ja-JP" dirty="0" smtClean="0"/>
+              <a:t>β</a:t>
+            </a:r>
+            <a:r>
+              <a:rPr lang="ja-JP" altLang="en-US" dirty="0" smtClean="0"/>
+              <a:t>テスト優先権</a:t>
+            </a:r>
+            <a:r>
+              <a:rPr lang="ja-JP" altLang="en-US" dirty="0"/>
+              <a:t>　</a:t>
+            </a:r>
+            <a:r>
+              <a:rPr lang="ja-JP" altLang="en-US" dirty="0" smtClean="0"/>
+              <a:t>３万円</a:t>
+            </a:r>
+            <a:endParaRPr lang="en-US" altLang="ja-JP" dirty="0" smtClean="0"/>
+          </a:p>
+          <a:p>
+            <a:pPr marL="0" indent="0">
+              <a:buNone/>
+            </a:pPr>
+            <a:r>
+              <a:rPr lang="ja-JP" altLang="en-US" dirty="0"/>
+              <a:t>　</a:t>
+            </a:r>
+            <a:r>
+              <a:rPr lang="ja-JP" altLang="en-US" dirty="0" smtClean="0"/>
+              <a:t>　４　支援者名クレジット＋サンクスメール＋各地の名産詰め合わせ　　　　　　　　　　</a:t>
+            </a:r>
+            <a:endParaRPr lang="en-US" altLang="ja-JP" dirty="0" smtClean="0"/>
+          </a:p>
+          <a:p>
+            <a:pPr marL="0" indent="0">
+              <a:buNone/>
+            </a:pPr>
+            <a:r>
+              <a:rPr kumimoji="1" lang="ja-JP" altLang="en-US" sz="3200" dirty="0"/>
+              <a:t>　</a:t>
+            </a:r>
+            <a:r>
+              <a:rPr kumimoji="1" lang="ja-JP" altLang="en-US" sz="3200" dirty="0" smtClean="0"/>
+              <a:t>　　　</a:t>
+            </a:r>
+            <a:r>
+              <a:rPr kumimoji="1" lang="ja-JP" altLang="en-US" dirty="0" smtClean="0"/>
+              <a:t>５万円</a:t>
+            </a:r>
+            <a:endParaRPr kumimoji="1" lang="en-US" altLang="ja-JP" dirty="0" smtClean="0"/>
+          </a:p>
+          <a:p>
+            <a:pPr marL="0" indent="0">
+              <a:buNone/>
+            </a:pPr>
+            <a:r>
+              <a:rPr lang="ja-JP" altLang="en-US" dirty="0"/>
+              <a:t>　</a:t>
+            </a:r>
+            <a:r>
+              <a:rPr lang="ja-JP" altLang="en-US" dirty="0" smtClean="0"/>
+              <a:t>　５　支援者名クレジット＋サンクスメール＋無条件出現宝箱のすべ</a:t>
+            </a:r>
+            <a:endParaRPr lang="en-US" altLang="ja-JP" dirty="0" smtClean="0"/>
+          </a:p>
+          <a:p>
+            <a:pPr marL="0" indent="0">
+              <a:buNone/>
+            </a:pPr>
+            <a:r>
+              <a:rPr lang="ja-JP" altLang="en-US" dirty="0" smtClean="0"/>
+              <a:t>　　　　　</a:t>
+            </a:r>
+            <a:r>
+              <a:rPr lang="ja-JP" altLang="en-US" dirty="0" err="1" smtClean="0"/>
+              <a:t>てを</a:t>
+            </a:r>
+            <a:r>
+              <a:rPr lang="ja-JP" altLang="en-US" dirty="0" smtClean="0"/>
+              <a:t>知る権利　１０万円</a:t>
+            </a:r>
+            <a:endParaRPr lang="en-US" altLang="ja-JP" dirty="0" smtClean="0"/>
+          </a:p>
+          <a:p>
+            <a:pPr marL="0" indent="0">
+              <a:buNone/>
+            </a:pPr>
+            <a:r>
+              <a:rPr lang="ja-JP" altLang="en-US" dirty="0"/>
+              <a:t>　</a:t>
+            </a:r>
+            <a:r>
+              <a:rPr lang="ja-JP" altLang="en-US" dirty="0" smtClean="0"/>
+              <a:t>　６　支援者名クレジット＋サンクスメール＋このゲームのマスコットキャラ</a:t>
+            </a:r>
+            <a:endParaRPr lang="en-US" altLang="ja-JP" dirty="0" smtClean="0"/>
+          </a:p>
+          <a:p>
+            <a:pPr marL="0" indent="0">
+              <a:buNone/>
+            </a:pPr>
+            <a:r>
+              <a:rPr lang="ja-JP" altLang="en-US" dirty="0" smtClean="0"/>
+              <a:t>　　　　　クターの命名権（</a:t>
+            </a:r>
+            <a:r>
+              <a:rPr lang="en-US" altLang="ja-JP" dirty="0" smtClean="0"/>
+              <a:t>1</a:t>
+            </a:r>
+            <a:r>
+              <a:rPr lang="ja-JP" altLang="en-US" dirty="0" smtClean="0"/>
+              <a:t>人限定）　</a:t>
+            </a:r>
+            <a:r>
+              <a:rPr lang="en-US" altLang="ja-JP" dirty="0" smtClean="0"/>
+              <a:t>100</a:t>
+            </a:r>
+            <a:r>
+              <a:rPr lang="ja-JP" altLang="en-US" dirty="0" smtClean="0"/>
+              <a:t>万円</a:t>
+            </a:r>
+            <a:endParaRPr lang="en-US" altLang="ja-JP" dirty="0" smtClean="0"/>
+          </a:p>
+        </p:txBody>
+      </p:sp>
+    </p:spTree>
+    <p:extLst>
+      <p:ext uri="{BB962C8B-B14F-4D97-AF65-F5344CB8AC3E}">
+        <p14:creationId xmlns:p14="http://schemas.microsoft.com/office/powerpoint/2010/main" val="2118528122"/>
+      </p:ext>
+    </p:extLst>
+  </p:cSld>
+  <p:clrMapOvr>
+    <a:masterClrMapping/>
+  </p:clrMapOvr>
+</p:sld>
+</file>
+
+<file path=ppt/slides/slide5.xml><?xml version="1.0" encoding="utf-8"?>
+<p:sld xmlns:a="http://schemas.openxmlformats.org/drawingml/2006/main" xmlns:r="http://schemas.openxmlformats.org/officeDocument/2006/relationships" xmlns:p="http://schemas.openxmlformats.org/presentationml/2006/main">
+  <p:cSld>
+    <p:spTree>
+      <p:nvGrpSpPr>
+        <p:cNvPr id="1" name=""/>
+        <p:cNvGrpSpPr/>
+        <p:nvPr/>
+      </p:nvGrpSpPr>
+      <p:grpSpPr>
+        <a:xfrm>
+          <a:off x="0" y="0"/>
+          <a:ext cx="0" cy="0"/>
+          <a:chOff x="0" y="0"/>
+          <a:chExt cx="0" cy="0"/>
+        </a:xfrm>
+      </p:grpSpPr>
+      <p:sp>
+        <p:nvSpPr>
+          <p:cNvPr id="2" name="タイトル 1"/>
+          <p:cNvSpPr>
+            <a:spLocks noGrp="1"/>
+          </p:cNvSpPr>
+          <p:nvPr>
+            <p:ph type="title"/>
+          </p:nvPr>
+        </p:nvSpPr>
         <p:spPr>
           <a:xfrm>
             <a:off x="838200" y="365125"/>
@@ -3916,7 +4032,7 @@
 </p:sld>
 </file>
 
-<file path=ppt/slides/slide5.xml><?xml version="1.0" encoding="utf-8"?>
+<file path=ppt/slides/slide6.xml><?xml version="1.0" encoding="utf-8"?>
 <p:sld xmlns:a="http://schemas.openxmlformats.org/drawingml/2006/main" xmlns:r="http://schemas.openxmlformats.org/officeDocument/2006/relationships" xmlns:p="http://schemas.openxmlformats.org/presentationml/2006/main">
   <p:cSld>
     <p:spTree>
